--- a/tyler/meena/cs220/f20/materials/lec_29_S20.pptx
+++ b/tyler/meena/cs220/f20/materials/lec_29_S20.pptx
@@ -200,7 +200,7 @@
             </a:extLst>
           </p:cNvPr>
           <p:cNvSpPr>
-            <a:spLocks/>
+            <a:spLocks noGrp="1" noRot="1" noChangeAspect="1"/>
           </p:cNvSpPr>
           <p:nvPr>
             <p:ph type="sldImg"/>
@@ -2482,7 +2482,7 @@
             </a:extLst>
           </p:cNvPr>
           <p:cNvSpPr>
-            <a:spLocks/>
+            <a:spLocks noGrp="1"/>
           </p:cNvSpPr>
           <p:nvPr>
             <p:ph type="title"/>
@@ -2558,7 +2558,7 @@
             </a:extLst>
           </p:cNvPr>
           <p:cNvSpPr>
-            <a:spLocks/>
+            <a:spLocks noGrp="1"/>
           </p:cNvSpPr>
           <p:nvPr>
             <p:ph type="body" idx="1"/>
@@ -3212,8 +3212,23 @@
                 <a:cs typeface="Gill Sans" charset="0"/>
                 <a:sym typeface="Gill Sans" charset="0"/>
               </a:rPr>
-              <a:t>[220] Pandas I</a:t>
-            </a:r>
+              <a:t>[220] </a:t>
+            </a:r>
+            <a:r>
+              <a:rPr lang="en-US" altLang="en-US">
+                <a:latin typeface="Gill Sans" charset="0"/>
+                <a:ea typeface="Gill Sans" charset="0"/>
+                <a:cs typeface="Gill Sans" charset="0"/>
+                <a:sym typeface="Gill Sans" charset="0"/>
+              </a:rPr>
+              <a:t>Pandas 2</a:t>
+            </a:r>
+            <a:endParaRPr lang="en-US" altLang="en-US" dirty="0">
+              <a:latin typeface="Gill Sans" charset="0"/>
+              <a:ea typeface="Gill Sans" charset="0"/>
+              <a:cs typeface="Gill Sans" charset="0"/>
+              <a:sym typeface="Gill Sans" charset="0"/>
+            </a:endParaRPr>
           </a:p>
         </p:txBody>
       </p:sp>
